--- a/slides/week-5.pptx
+++ b/slides/week-5.pptx
@@ -188,10 +188,6 @@
 </p:presentation>
 </file>
 
-<file path=ppt/revisionInfo.xml><?xml version="1.0" encoding="utf-8"?>
-<p1510:revInfo xmlns:a="http://schemas.openxmlformats.org/drawingml/2006/main" xmlns:r="http://schemas.openxmlformats.org/officeDocument/2006/relationships" xmlns:p1510="http://schemas.microsoft.com/office/powerpoint/2015/10/main"/>
-</file>
-
 <file path=ppt/notesMasters/notesMaster1.xml><?xml version="1.0" encoding="utf-8"?>
 <p:notesMaster xmlns:a="http://schemas.openxmlformats.org/drawingml/2006/main" xmlns:r="http://schemas.openxmlformats.org/officeDocument/2006/relationships" xmlns:p="http://schemas.openxmlformats.org/presentationml/2006/main">
   <p:cSld>
@@ -274,7 +270,7 @@
           <a:p>
             <a:fld id="{9DF1E2B5-E2EB-4EC2-87FD-109C36CA9EDC}" type="datetimeFigureOut">
               <a:rPr lang="en-US" smtClean="0"/>
-              <a:t>12/11/2017</a:t>
+              <a:t>2/8/18</a:t>
             </a:fld>
             <a:endParaRPr lang="en-US"/>
           </a:p>
@@ -932,7 +928,7 @@
           <a:p>
             <a:fld id="{1D8BD707-D9CF-40AE-B4C6-C98DA3205C09}" type="datetimeFigureOut">
               <a:rPr lang="en-US"/>
-              <a:t>12/11/2017</a:t>
+              <a:t>2/8/18</a:t>
             </a:fld>
             <a:endParaRPr lang="en-US"/>
           </a:p>
@@ -1115,7 +1111,7 @@
           <a:p>
             <a:fld id="{1D8BD707-D9CF-40AE-B4C6-C98DA3205C09}" type="datetimeFigureOut">
               <a:rPr lang="en-US"/>
-              <a:t>12/11/2017</a:t>
+              <a:t>2/8/18</a:t>
             </a:fld>
             <a:endParaRPr lang="en-US"/>
           </a:p>
@@ -1335,7 +1331,7 @@
           <a:p>
             <a:fld id="{1D8BD707-D9CF-40AE-B4C6-C98DA3205C09}" type="datetimeFigureOut">
               <a:rPr lang="en-US"/>
-              <a:t>12/11/2017</a:t>
+              <a:t>2/8/18</a:t>
             </a:fld>
             <a:endParaRPr lang="en-US"/>
           </a:p>
@@ -1547,7 +1543,7 @@
           <a:p>
             <a:fld id="{1D8BD707-D9CF-40AE-B4C6-C98DA3205C09}" type="datetimeFigureOut">
               <a:rPr lang="en-US"/>
-              <a:t>12/11/2017</a:t>
+              <a:t>2/8/18</a:t>
             </a:fld>
             <a:endParaRPr lang="en-US"/>
           </a:p>
@@ -1672,7 +1668,7 @@
           <a:p>
             <a:fld id="{1D8BD707-D9CF-40AE-B4C6-C98DA3205C09}" type="datetimeFigureOut">
               <a:rPr lang="en-US"/>
-              <a:t>12/11/2017</a:t>
+              <a:t>2/8/18</a:t>
             </a:fld>
             <a:endParaRPr lang="en-US"/>
           </a:p>
@@ -1903,7 +1899,7 @@
           <a:p>
             <a:fld id="{1D8BD707-D9CF-40AE-B4C6-C98DA3205C09}" type="datetimeFigureOut">
               <a:rPr lang="en-US"/>
-              <a:t>12/11/2017</a:t>
+              <a:t>2/8/18</a:t>
             </a:fld>
             <a:endParaRPr lang="en-US"/>
           </a:p>
@@ -2434,7 +2430,7 @@
         <p:spPr>
           <a:xfrm>
             <a:off x="4127500" y="7957021"/>
-            <a:ext cx="4808220" cy="1034579"/>
+            <a:ext cx="4808220" cy="1104277"/>
           </a:xfrm>
           <a:prstGeom prst="rect">
             <a:avLst/>
@@ -2469,7 +2465,7 @@
                 <a:latin typeface="Georgia" panose="02040502050405020303" pitchFamily="18" charset="0"/>
                 <a:cs typeface="Lora"/>
               </a:rPr>
-              <a:t>Beck Johnson</a:t>
+              <a:t>Aaron Bronow</a:t>
             </a:r>
           </a:p>
           <a:p>
@@ -10468,8 +10464,8 @@
         </p:nvSpPr>
         <p:spPr>
           <a:xfrm>
-            <a:off x="1775460" y="2438400"/>
-            <a:ext cx="10060940" cy="6388928"/>
+            <a:off x="1168400" y="2438400"/>
+            <a:ext cx="10668000" cy="6404317"/>
           </a:xfrm>
           <a:prstGeom prst="rect">
             <a:avLst/>
@@ -10511,7 +10507,7 @@
             </a:endParaRPr>
           </a:p>
           <a:p>
-            <a:pPr marL="12700" marR="1212850">
+            <a:pPr marL="12700" marR="1212850" algn="ctr">
               <a:spcBef>
                 <a:spcPts val="100"/>
               </a:spcBef>
@@ -10525,7 +10521,7 @@
                 <a:cs typeface="Lora"/>
                 <a:hlinkClick r:id="rId2"/>
               </a:rPr>
-              <a:t>http://kweeket.github.io/dev-101/demos/modal.html</a:t>
+              <a:t>Modal Demo</a:t>
             </a:r>
             <a:endParaRPr lang="en-US" sz="2800" spc="-5" dirty="0">
               <a:solidFill>
@@ -23335,7 +23331,7 @@
                 <a:latin typeface="Georgia" panose="02040502050405020303" pitchFamily="18" charset="0"/>
                 <a:hlinkClick r:id="rId2"/>
               </a:rPr>
-              <a:t>beckjohnson@gmail.com</a:t>
+              <a:t>aaron@bronow.net</a:t>
             </a:r>
             <a:endParaRPr lang="en-US" sz="3600" spc="-5" dirty="0">
               <a:solidFill>
@@ -23563,7 +23559,7 @@
           </a:p>
           <a:p>
             <a:r>
-              <a:rPr lang="en-US" sz="4400" u="heavy" spc="-50" dirty="0">
+              <a:rPr lang="en-US" sz="4400" u="heavy" spc="-50">
                 <a:solidFill>
                   <a:srgbClr val="5F5F5F"/>
                 </a:solidFill>
@@ -23571,7 +23567,18 @@
                 <a:cs typeface="Lora"/>
                 <a:hlinkClick r:id="rId2"/>
               </a:rPr>
-              <a:t>http://svcseattle.com/evaluation</a:t>
+              <a:t>https://</a:t>
+            </a:r>
+            <a:r>
+              <a:rPr lang="en-US" sz="4400" u="heavy" spc="-50" dirty="0">
+                <a:solidFill>
+                  <a:srgbClr val="5F5F5F"/>
+                </a:solidFill>
+                <a:latin typeface="Georgia" panose="02040502050405020303" pitchFamily="18" charset="0"/>
+                <a:cs typeface="Lora"/>
+                <a:hlinkClick r:id="rId2"/>
+              </a:rPr>
+              <a:t>svcseattle.com/evaluation</a:t>
             </a:r>
             <a:endParaRPr lang="en-US" sz="4400" dirty="0">
               <a:latin typeface="Georgia" panose="02040502050405020303" pitchFamily="18" charset="0"/>
